--- a/lectures/JS Framework VUE (Lecture 2).pptx
+++ b/lectures/JS Framework VUE (Lecture 2).pptx
@@ -255,7 +255,7 @@
           <a:p>
             <a:fld id="{AFD01546-198A-4195-BCF8-F0FF54C90E5E}" type="datetimeFigureOut">
               <a:rPr lang="en-US" smtClean="0"/>
-              <a:t>9/14/2024</a:t>
+              <a:t>9/21/2024</a:t>
             </a:fld>
             <a:endParaRPr lang="en-US" dirty="0"/>
           </a:p>
@@ -851,7 +851,7 @@
           <a:p>
             <a:fld id="{88D38747-4367-4BD2-8D51-C97E202738E2}" type="datetime1">
               <a:rPr lang="en-US" smtClean="0"/>
-              <a:t>9/14/2024</a:t>
+              <a:t>9/21/2024</a:t>
             </a:fld>
             <a:endParaRPr lang="en-US" dirty="0"/>
           </a:p>
@@ -1156,7 +1156,7 @@
           <a:p>
             <a:fld id="{11F1B079-7EF0-44EE-B798-BCC497C9F3B2}" type="datetime1">
               <a:rPr lang="en-US" smtClean="0"/>
-              <a:t>9/14/2024</a:t>
+              <a:t>9/21/2024</a:t>
             </a:fld>
             <a:endParaRPr lang="en-US" dirty="0"/>
           </a:p>
@@ -1350,7 +1350,7 @@
           <a:p>
             <a:fld id="{28FF70A8-1D13-4657-95F0-A9EA54967B8D}" type="datetime1">
               <a:rPr lang="en-US" smtClean="0"/>
-              <a:t>9/14/2024</a:t>
+              <a:t>9/21/2024</a:t>
             </a:fld>
             <a:endParaRPr lang="en-US" dirty="0"/>
           </a:p>
@@ -1613,7 +1613,7 @@
           <a:p>
             <a:fld id="{21EB90AC-71BD-4C7F-8ACA-7B3F18292E63}" type="datetime1">
               <a:rPr lang="en-US" smtClean="0"/>
-              <a:t>9/14/2024</a:t>
+              <a:t>9/21/2024</a:t>
             </a:fld>
             <a:endParaRPr lang="en-US" dirty="0"/>
           </a:p>
@@ -2049,7 +2049,7 @@
           <a:p>
             <a:fld id="{4E6EFC2C-8905-46F0-B443-CE905B76BA01}" type="datetime1">
               <a:rPr lang="en-US" smtClean="0"/>
-              <a:t>9/14/2024</a:t>
+              <a:t>9/21/2024</a:t>
             </a:fld>
             <a:endParaRPr lang="en-US" dirty="0"/>
           </a:p>
@@ -2586,7 +2586,7 @@
           <a:p>
             <a:fld id="{D9079DC3-C9B5-499E-9140-0DC28B7074E2}" type="datetime1">
               <a:rPr lang="en-US" smtClean="0"/>
-              <a:t>9/14/2024</a:t>
+              <a:t>9/21/2024</a:t>
             </a:fld>
             <a:endParaRPr lang="en-US" dirty="0"/>
           </a:p>
@@ -3468,7 +3468,7 @@
           <a:p>
             <a:fld id="{30BB33EA-E472-4D22-9C03-A9C14AA21CED}" type="datetime1">
               <a:rPr lang="en-US" smtClean="0"/>
-              <a:t>9/14/2024</a:t>
+              <a:t>9/21/2024</a:t>
             </a:fld>
             <a:endParaRPr lang="en-US" dirty="0"/>
           </a:p>
@@ -3638,7 +3638,7 @@
           <a:p>
             <a:fld id="{73C55A3C-5767-4844-A0A3-83778C2E5409}" type="datetime1">
               <a:rPr lang="en-US" smtClean="0"/>
-              <a:t>9/14/2024</a:t>
+              <a:t>9/21/2024</a:t>
             </a:fld>
             <a:endParaRPr lang="en-US" dirty="0"/>
           </a:p>
@@ -3882,7 +3882,7 @@
           <a:p>
             <a:fld id="{CAE507A8-A5CF-4D38-AB86-7EDDA87A85D4}" type="datetime1">
               <a:rPr lang="en-US" smtClean="0"/>
-              <a:t>9/14/2024</a:t>
+              <a:t>9/21/2024</a:t>
             </a:fld>
             <a:endParaRPr lang="en-US" dirty="0"/>
           </a:p>
@@ -4124,7 +4124,7 @@
           <a:p>
             <a:fld id="{BDFCD27C-8599-43EF-BA1D-14DDC1946E06}" type="datetime1">
               <a:rPr lang="en-US" smtClean="0"/>
-              <a:t>9/14/2024</a:t>
+              <a:t>9/21/2024</a:t>
             </a:fld>
             <a:endParaRPr lang="en-US" dirty="0"/>
           </a:p>
@@ -4607,7 +4607,7 @@
           <a:p>
             <a:fld id="{49343D99-809A-49C0-96E5-4250D0B498EE}" type="datetime1">
               <a:rPr lang="en-US" smtClean="0"/>
-              <a:t>9/14/2024</a:t>
+              <a:t>9/21/2024</a:t>
             </a:fld>
             <a:endParaRPr lang="en-US" dirty="0"/>
           </a:p>
@@ -4725,7 +4725,7 @@
           <a:p>
             <a:fld id="{A143DE9B-B678-4EFB-BB7D-A4370204A0B0}" type="datetime1">
               <a:rPr lang="en-US" smtClean="0"/>
-              <a:t>9/14/2024</a:t>
+              <a:t>9/21/2024</a:t>
             </a:fld>
             <a:endParaRPr lang="en-US" dirty="0"/>
           </a:p>
@@ -4820,7 +4820,7 @@
           <a:p>
             <a:fld id="{E68812DA-F765-4142-A6A3-A8ED7235E082}" type="datetime1">
               <a:rPr lang="en-US" smtClean="0"/>
-              <a:t>9/14/2024</a:t>
+              <a:t>9/21/2024</a:t>
             </a:fld>
             <a:endParaRPr lang="en-US" dirty="0"/>
           </a:p>
@@ -5075,7 +5075,7 @@
           <a:p>
             <a:fld id="{3E0277FD-7DE6-41D4-930D-AC99F5AFE54E}" type="datetime1">
               <a:rPr lang="en-US" smtClean="0"/>
-              <a:t>9/14/2024</a:t>
+              <a:t>9/21/2024</a:t>
             </a:fld>
             <a:endParaRPr lang="en-US" dirty="0"/>
           </a:p>
@@ -5382,7 +5382,7 @@
           <a:p>
             <a:fld id="{9EA15526-7079-4B7B-987C-1B5FAE11A0FF}" type="datetime1">
               <a:rPr lang="en-US" smtClean="0"/>
-              <a:t>9/14/2024</a:t>
+              <a:t>9/21/2024</a:t>
             </a:fld>
             <a:endParaRPr lang="en-US" dirty="0"/>
           </a:p>
@@ -5617,7 +5617,7 @@
           <a:p>
             <a:fld id="{073ED0CC-082F-4160-86E5-0D6041F12778}" type="datetime1">
               <a:rPr lang="en-US" smtClean="0"/>
-              <a:t>9/14/2024</a:t>
+              <a:t>9/21/2024</a:t>
             </a:fld>
             <a:endParaRPr lang="en-US" dirty="0"/>
           </a:p>
@@ -6345,7 +6345,7 @@
         </p:blipFill>
         <p:spPr>
           <a:xfrm>
-            <a:off x="-1" y="10"/>
+            <a:off x="0" y="0"/>
             <a:ext cx="12192001" cy="6857990"/>
           </a:xfrm>
           <a:prstGeom prst="rect">
@@ -6535,7 +6535,7 @@
           </a:effectLst>
           <a:extLst>
             <a:ext uri="{91240B29-F687-4f45-9708-019B960494DF}">
-              <a14:hiddenLine xmlns:a16="http://schemas.microsoft.com/office/drawing/2014/main" xmlns:p14="http://schemas.microsoft.com/office/powerpoint/2010/main" xmlns:a14="http://schemas.microsoft.com/office/drawing/2010/main" xmlns="" w="9525">
+              <a14:hiddenLine xmlns="" xmlns:a14="http://schemas.microsoft.com/office/drawing/2010/main" xmlns:p14="http://schemas.microsoft.com/office/powerpoint/2010/main" xmlns:a16="http://schemas.microsoft.com/office/drawing/2014/main" w="9525">
                 <a:solidFill>
                   <a:srgbClr val="000000"/>
                 </a:solidFill>
@@ -12837,12 +12837,6 @@
 </file>
 
 <file path=customXml/item2.xml><?xml version="1.0" encoding="utf-8"?>
-<p:properties xmlns:p="http://schemas.microsoft.com/office/2006/metadata/properties" xmlns:xsi="http://www.w3.org/2001/XMLSchema-instance" xmlns:pc="http://schemas.microsoft.com/office/infopath/2007/PartnerControls">
-  <documentManagement/>
-</p:properties>
-</file>
-
-<file path=customXml/item3.xml><?xml version="1.0" encoding="utf-8"?>
 <ct:contentTypeSchema xmlns:ct="http://schemas.microsoft.com/office/2006/metadata/contentType" xmlns:ma="http://schemas.microsoft.com/office/2006/metadata/properties/metaAttributes" ct:_="" ma:_="" ma:contentTypeName="Документ" ma:contentTypeID="0x010100D71570AD13F0224BB1245ED162607349" ma:contentTypeVersion="8" ma:contentTypeDescription="Создание документа." ma:contentTypeScope="" ma:versionID="b34c0b78990df12d174317d7290c462f">
   <xsd:schema xmlns:xsd="http://www.w3.org/2001/XMLSchema" xmlns:xs="http://www.w3.org/2001/XMLSchema" xmlns:p="http://schemas.microsoft.com/office/2006/metadata/properties" xmlns:ns2="14a8a632-e596-4d42-a9cb-ac377c4fa28b" targetNamespace="http://schemas.microsoft.com/office/2006/metadata/properties" ma:root="true" ma:fieldsID="51dadbd8aa9e92f520983c4df36c56ca" ns2:_="">
     <xsd:import namespace="14a8a632-e596-4d42-a9cb-ac377c4fa28b"/>
@@ -13010,6 +13004,12 @@
 </ct:contentTypeSchema>
 </file>
 
+<file path=customXml/item3.xml><?xml version="1.0" encoding="utf-8"?>
+<p:properties xmlns:p="http://schemas.microsoft.com/office/2006/metadata/properties" xmlns:xsi="http://www.w3.org/2001/XMLSchema-instance" xmlns:pc="http://schemas.microsoft.com/office/infopath/2007/PartnerControls">
+  <documentManagement/>
+</p:properties>
+</file>
+
 <file path=customXml/itemProps1.xml><?xml version="1.0" encoding="utf-8"?>
 <ds:datastoreItem xmlns:ds="http://schemas.openxmlformats.org/officeDocument/2006/customXml" ds:itemID="{64B270AB-C138-415C-897E-3C24487DECF1}">
   <ds:schemaRefs>
@@ -13019,16 +13019,6 @@
 </file>
 
 <file path=customXml/itemProps2.xml><?xml version="1.0" encoding="utf-8"?>
-<ds:datastoreItem xmlns:ds="http://schemas.openxmlformats.org/officeDocument/2006/customXml" ds:itemID="{2C4C00F4-06E9-43E3-AD97-88A857CEFA82}">
-  <ds:schemaRefs>
-    <ds:schemaRef ds:uri="http://schemas.microsoft.com/office/2006/metadata/properties"/>
-    <ds:schemaRef ds:uri="http://schemas.microsoft.com/office/infopath/2007/PartnerControls"/>
-    <ds:schemaRef ds:uri="71af3243-3dd4-4a8d-8c0d-dd76da1f02a5"/>
-  </ds:schemaRefs>
-</ds:datastoreItem>
-</file>
-
-<file path=customXml/itemProps3.xml><?xml version="1.0" encoding="utf-8"?>
 <ds:datastoreItem xmlns:ds="http://schemas.openxmlformats.org/officeDocument/2006/customXml" ds:itemID="{546CA19E-6887-49EE-B5C3-A6145354BD9F}">
   <ds:schemaRefs>
     <ds:schemaRef ds:uri="http://schemas.microsoft.com/office/2006/metadata/contentType"/>
@@ -13044,4 +13034,14 @@
     <ds:schemaRef ds:uri="http://schemas.microsoft.com/internal/obd"/>
   </ds:schemaRefs>
 </ds:datastoreItem>
+</file>
+
+<file path=customXml/itemProps3.xml><?xml version="1.0" encoding="utf-8"?>
+<ds:datastoreItem xmlns:ds="http://schemas.openxmlformats.org/officeDocument/2006/customXml" ds:itemID="{2C4C00F4-06E9-43E3-AD97-88A857CEFA82}">
+  <ds:schemaRefs>
+    <ds:schemaRef ds:uri="http://schemas.microsoft.com/office/2006/metadata/properties"/>
+    <ds:schemaRef ds:uri="http://schemas.microsoft.com/office/infopath/2007/PartnerControls"/>
+    <ds:schemaRef ds:uri="71af3243-3dd4-4a8d-8c0d-dd76da1f02a5"/>
+  </ds:schemaRefs>
+</ds:datastoreItem>
 </file>